--- a/teaching/expdes/lectures/working/lec5.pptx
+++ b/teaching/expdes/lectures/working/lec5.pptx
@@ -229,7 +229,7 @@
           <a:p>
             <a:fld id="{009B6438-ED5F-4C48-B171-34A9EC2EB9C8}" type="datetimeFigureOut">
               <a:rPr lang="en-US" smtClean="0"/>
-              <a:t>2/20/20</a:t>
+              <a:t>2/16/21</a:t>
             </a:fld>
             <a:endParaRPr lang="en-US"/>
           </a:p>
@@ -709,7 +709,7 @@
           <a:p>
             <a:fld id="{2B908699-CE29-634D-83B5-1061B2BD35A6}" type="datetimeFigureOut">
               <a:rPr lang="en-US" smtClean="0"/>
-              <a:t>2/20/20</a:t>
+              <a:t>2/16/21</a:t>
             </a:fld>
             <a:endParaRPr lang="en-US"/>
           </a:p>
@@ -877,7 +877,7 @@
           <a:p>
             <a:fld id="{2B908699-CE29-634D-83B5-1061B2BD35A6}" type="datetimeFigureOut">
               <a:rPr lang="en-US" smtClean="0"/>
-              <a:t>2/20/20</a:t>
+              <a:t>2/16/21</a:t>
             </a:fld>
             <a:endParaRPr lang="en-US"/>
           </a:p>
@@ -1055,7 +1055,7 @@
           <a:p>
             <a:fld id="{2B908699-CE29-634D-83B5-1061B2BD35A6}" type="datetimeFigureOut">
               <a:rPr lang="en-US" smtClean="0"/>
-              <a:t>2/20/20</a:t>
+              <a:t>2/16/21</a:t>
             </a:fld>
             <a:endParaRPr lang="en-US"/>
           </a:p>
@@ -1223,7 +1223,7 @@
           <a:p>
             <a:fld id="{2B908699-CE29-634D-83B5-1061B2BD35A6}" type="datetimeFigureOut">
               <a:rPr lang="en-US" smtClean="0"/>
-              <a:t>2/20/20</a:t>
+              <a:t>2/16/21</a:t>
             </a:fld>
             <a:endParaRPr lang="en-US"/>
           </a:p>
@@ -1468,7 +1468,7 @@
           <a:p>
             <a:fld id="{2B908699-CE29-634D-83B5-1061B2BD35A6}" type="datetimeFigureOut">
               <a:rPr lang="en-US" smtClean="0"/>
-              <a:t>2/20/20</a:t>
+              <a:t>2/16/21</a:t>
             </a:fld>
             <a:endParaRPr lang="en-US"/>
           </a:p>
@@ -1697,7 +1697,7 @@
           <a:p>
             <a:fld id="{2B908699-CE29-634D-83B5-1061B2BD35A6}" type="datetimeFigureOut">
               <a:rPr lang="en-US" smtClean="0"/>
-              <a:t>2/20/20</a:t>
+              <a:t>2/16/21</a:t>
             </a:fld>
             <a:endParaRPr lang="en-US"/>
           </a:p>
@@ -2061,7 +2061,7 @@
           <a:p>
             <a:fld id="{2B908699-CE29-634D-83B5-1061B2BD35A6}" type="datetimeFigureOut">
               <a:rPr lang="en-US" smtClean="0"/>
-              <a:t>2/20/20</a:t>
+              <a:t>2/16/21</a:t>
             </a:fld>
             <a:endParaRPr lang="en-US"/>
           </a:p>
@@ -2178,7 +2178,7 @@
           <a:p>
             <a:fld id="{2B908699-CE29-634D-83B5-1061B2BD35A6}" type="datetimeFigureOut">
               <a:rPr lang="en-US" smtClean="0"/>
-              <a:t>2/20/20</a:t>
+              <a:t>2/16/21</a:t>
             </a:fld>
             <a:endParaRPr lang="en-US"/>
           </a:p>
@@ -2273,7 +2273,7 @@
           <a:p>
             <a:fld id="{2B908699-CE29-634D-83B5-1061B2BD35A6}" type="datetimeFigureOut">
               <a:rPr lang="en-US" smtClean="0"/>
-              <a:t>2/20/20</a:t>
+              <a:t>2/16/21</a:t>
             </a:fld>
             <a:endParaRPr lang="en-US"/>
           </a:p>
@@ -2548,7 +2548,7 @@
           <a:p>
             <a:fld id="{2B908699-CE29-634D-83B5-1061B2BD35A6}" type="datetimeFigureOut">
               <a:rPr lang="en-US" smtClean="0"/>
-              <a:t>2/20/20</a:t>
+              <a:t>2/16/21</a:t>
             </a:fld>
             <a:endParaRPr lang="en-US"/>
           </a:p>
@@ -2800,7 +2800,7 @@
           <a:p>
             <a:fld id="{2B908699-CE29-634D-83B5-1061B2BD35A6}" type="datetimeFigureOut">
               <a:rPr lang="en-US" smtClean="0"/>
-              <a:t>2/20/20</a:t>
+              <a:t>2/16/21</a:t>
             </a:fld>
             <a:endParaRPr lang="en-US"/>
           </a:p>
@@ -3011,7 +3011,7 @@
           <a:p>
             <a:fld id="{2B908699-CE29-634D-83B5-1061B2BD35A6}" type="datetimeFigureOut">
               <a:rPr lang="en-US" smtClean="0"/>
-              <a:t>2/20/20</a:t>
+              <a:t>2/16/21</a:t>
             </a:fld>
             <a:endParaRPr lang="en-US"/>
           </a:p>
@@ -3486,35 +3486,6 @@
           </a:p>
         </p:txBody>
       </p:sp>
-      <p:pic>
-        <p:nvPicPr>
-          <p:cNvPr id="4" name="Picture 3">
-            <a:extLst>
-              <a:ext uri="{FF2B5EF4-FFF2-40B4-BE49-F238E27FC236}">
-                <a16:creationId xmlns:a16="http://schemas.microsoft.com/office/drawing/2014/main" id="{31EB5E1E-AEEE-3845-9E17-3DBB41DFE713}"/>
-              </a:ext>
-            </a:extLst>
-          </p:cNvPr>
-          <p:cNvPicPr>
-            <a:picLocks noChangeAspect="1"/>
-          </p:cNvPicPr>
-          <p:nvPr/>
-        </p:nvPicPr>
-        <p:blipFill rotWithShape="1">
-          <a:blip r:embed="rId3"/>
-          <a:srcRect t="6808" r="6500"/>
-          <a:stretch/>
-        </p:blipFill>
-        <p:spPr>
-          <a:xfrm>
-            <a:off x="4712726" y="2347889"/>
-            <a:ext cx="6679622" cy="4260874"/>
-          </a:xfrm>
-          <a:prstGeom prst="rect">
-            <a:avLst/>
-          </a:prstGeom>
-        </p:spPr>
-      </p:pic>
     </p:spTree>
     <p:extLst>
       <p:ext uri="{BB962C8B-B14F-4D97-AF65-F5344CB8AC3E}">
@@ -7979,7 +7950,7 @@
         <p:spPr>
           <a:xfrm>
             <a:off x="258184" y="1762460"/>
-            <a:ext cx="11629016" cy="2554545"/>
+            <a:ext cx="11629016" cy="1323439"/>
           </a:xfrm>
           <a:prstGeom prst="rect">
             <a:avLst/>
@@ -7999,17 +7970,6 @@
               <a:rPr lang="en-US" sz="4000" dirty="0"/>
               <a:t>No when and how to apply both the binomial and chi square test.</a:t>
             </a:r>
-          </a:p>
-          <a:p>
-            <a:pPr marL="742950" indent="-742950">
-              <a:buFont typeface="+mj-lt"/>
-              <a:buAutoNum type="arabicPeriod"/>
-            </a:pPr>
-            <a:r>
-              <a:rPr lang="en-US" sz="4000" dirty="0"/>
-              <a:t>Now how to use Bayes theorem and what a prior is and how we use it. </a:t>
-            </a:r>
-            <a:endParaRPr lang="en-US" sz="2800" dirty="0"/>
           </a:p>
         </p:txBody>
       </p:sp>
